--- a/Day 10/slide/Thymeleaf.pptx
+++ b/Day 10/slide/Thymeleaf.pptx
@@ -116,6 +116,11 @@
       </a:defRPr>
     </a:lvl9pPr>
   </p:defaultTextStyle>
+  <p:extLst>
+    <p:ext uri="{EFAFB233-063F-42B5-8137-9DF3F51BA10A}">
+      <p15:sldGuideLst xmlns:p15="http://schemas.microsoft.com/office/powerpoint/2012/main"/>
+    </p:ext>
+  </p:extLst>
 </p:presentation>
 </file>
 
@@ -3882,7 +3887,7 @@
             <a:fld id="{B61BEF0D-F0BB-DE4B-95CE-6DB70DBA9567}" type="datetimeFigureOut">
               <a:rPr lang="en-US" dirty="0"/>
               <a:pPr/>
-              <a:t>5/17/23</a:t>
+              <a:t>9/4/23</a:t>
             </a:fld>
             <a:endParaRPr lang="en-US" dirty="0"/>
           </a:p>
@@ -4130,7 +4135,7 @@
             <a:fld id="{B61BEF0D-F0BB-DE4B-95CE-6DB70DBA9567}" type="datetimeFigureOut">
               <a:rPr lang="en-US" dirty="0"/>
               <a:pPr/>
-              <a:t>5/17/23</a:t>
+              <a:t>9/4/23</a:t>
             </a:fld>
             <a:endParaRPr lang="en-US" dirty="0"/>
           </a:p>
@@ -4441,7 +4446,7 @@
             <a:fld id="{B61BEF0D-F0BB-DE4B-95CE-6DB70DBA9567}" type="datetimeFigureOut">
               <a:rPr lang="en-US" dirty="0"/>
               <a:pPr/>
-              <a:t>5/17/23</a:t>
+              <a:t>9/4/23</a:t>
             </a:fld>
             <a:endParaRPr lang="en-US" dirty="0"/>
           </a:p>
@@ -4779,7 +4784,7 @@
             <a:fld id="{B61BEF0D-F0BB-DE4B-95CE-6DB70DBA9567}" type="datetimeFigureOut">
               <a:rPr lang="en-US" dirty="0"/>
               <a:pPr/>
-              <a:t>5/17/23</a:t>
+              <a:t>9/4/23</a:t>
             </a:fld>
             <a:endParaRPr lang="en-US" dirty="0"/>
           </a:p>
@@ -5090,7 +5095,7 @@
             <a:fld id="{B61BEF0D-F0BB-DE4B-95CE-6DB70DBA9567}" type="datetimeFigureOut">
               <a:rPr lang="en-US" dirty="0"/>
               <a:pPr/>
-              <a:t>5/17/23</a:t>
+              <a:t>9/4/23</a:t>
             </a:fld>
             <a:endParaRPr lang="en-US" dirty="0"/>
           </a:p>
@@ -5480,7 +5485,7 @@
             <a:fld id="{B61BEF0D-F0BB-DE4B-95CE-6DB70DBA9567}" type="datetimeFigureOut">
               <a:rPr lang="en-US" dirty="0"/>
               <a:pPr/>
-              <a:t>5/17/23</a:t>
+              <a:t>9/4/23</a:t>
             </a:fld>
             <a:endParaRPr lang="en-US" dirty="0"/>
           </a:p>
@@ -5646,7 +5651,7 @@
           <a:p>
             <a:fld id="{55C6B4A9-1611-4792-9094-5F34BCA07E0B}" type="datetimeFigureOut">
               <a:rPr lang="en-US" dirty="0"/>
-              <a:t>5/17/23</a:t>
+              <a:t>9/4/23</a:t>
             </a:fld>
             <a:endParaRPr lang="en-US" dirty="0"/>
           </a:p>
@@ -5822,7 +5827,7 @@
             <a:fld id="{B61BEF0D-F0BB-DE4B-95CE-6DB70DBA9567}" type="datetimeFigureOut">
               <a:rPr lang="en-US" dirty="0"/>
               <a:pPr/>
-              <a:t>5/17/23</a:t>
+              <a:t>9/4/23</a:t>
             </a:fld>
             <a:endParaRPr lang="en-US" dirty="0"/>
           </a:p>
@@ -5995,7 +6000,7 @@
             <a:fld id="{B61BEF0D-F0BB-DE4B-95CE-6DB70DBA9567}" type="datetimeFigureOut">
               <a:rPr lang="en-US" dirty="0"/>
               <a:pPr/>
-              <a:t>5/17/23</a:t>
+              <a:t>9/4/23</a:t>
             </a:fld>
             <a:endParaRPr lang="en-US" dirty="0"/>
           </a:p>
@@ -6239,7 +6244,7 @@
             <a:fld id="{B61BEF0D-F0BB-DE4B-95CE-6DB70DBA9567}" type="datetimeFigureOut">
               <a:rPr lang="en-US" dirty="0"/>
               <a:pPr/>
-              <a:t>5/17/23</a:t>
+              <a:t>9/4/23</a:t>
             </a:fld>
             <a:endParaRPr lang="en-US" dirty="0"/>
           </a:p>
@@ -6467,7 +6472,7 @@
           <a:p>
             <a:fld id="{EB712588-04B1-427B-82EE-E8DB90309F08}" type="datetimeFigureOut">
               <a:rPr lang="en-US" dirty="0"/>
-              <a:t>5/17/23</a:t>
+              <a:t>9/4/23</a:t>
             </a:fld>
             <a:endParaRPr lang="en-US" dirty="0"/>
           </a:p>
@@ -6837,7 +6842,7 @@
             <a:fld id="{B61BEF0D-F0BB-DE4B-95CE-6DB70DBA9567}" type="datetimeFigureOut">
               <a:rPr lang="en-US" dirty="0"/>
               <a:pPr/>
-              <a:t>5/17/23</a:t>
+              <a:t>9/4/23</a:t>
             </a:fld>
             <a:endParaRPr lang="en-US" dirty="0"/>
           </a:p>
@@ -6957,7 +6962,7 @@
             <a:fld id="{B61BEF0D-F0BB-DE4B-95CE-6DB70DBA9567}" type="datetimeFigureOut">
               <a:rPr lang="en-US" dirty="0"/>
               <a:pPr/>
-              <a:t>5/17/23</a:t>
+              <a:t>9/4/23</a:t>
             </a:fld>
             <a:endParaRPr lang="en-US" dirty="0"/>
           </a:p>
@@ -7049,7 +7054,7 @@
             <a:fld id="{B61BEF0D-F0BB-DE4B-95CE-6DB70DBA9567}" type="datetimeFigureOut">
               <a:rPr lang="en-US" dirty="0"/>
               <a:pPr/>
-              <a:t>5/17/23</a:t>
+              <a:t>9/4/23</a:t>
             </a:fld>
             <a:endParaRPr lang="en-US" dirty="0"/>
           </a:p>
@@ -7300,7 +7305,7 @@
           <a:p>
             <a:fld id="{42A54C80-263E-416B-A8E0-580EDEADCBDC}" type="datetimeFigureOut">
               <a:rPr lang="en-US" dirty="0"/>
-              <a:t>5/17/23</a:t>
+              <a:t>9/4/23</a:t>
             </a:fld>
             <a:endParaRPr lang="en-US" dirty="0"/>
           </a:p>
@@ -7559,7 +7564,7 @@
             <a:fld id="{B61BEF0D-F0BB-DE4B-95CE-6DB70DBA9567}" type="datetimeFigureOut">
               <a:rPr lang="en-US" dirty="0"/>
               <a:pPr/>
-              <a:t>5/17/23</a:t>
+              <a:t>9/4/23</a:t>
             </a:fld>
             <a:endParaRPr lang="en-US" dirty="0"/>
           </a:p>
@@ -8299,7 +8304,7 @@
             <a:fld id="{B61BEF0D-F0BB-DE4B-95CE-6DB70DBA9567}" type="datetimeFigureOut">
               <a:rPr lang="en-US" dirty="0"/>
               <a:pPr/>
-              <a:t>5/17/23</a:t>
+              <a:t>9/4/23</a:t>
             </a:fld>
             <a:endParaRPr lang="en-US" dirty="0"/>
           </a:p>
@@ -13552,14 +13557,14 @@
                 <a:effectLst/>
                 <a:latin typeface="Arial" panose="020B0604020202020204" pitchFamily="34" charset="0"/>
               </a:rPr>
-              <a:t>Thymeleafè</a:t>
+              <a:t>Thymeleaf</a:t>
             </a:r>
             <a:r>
               <a:rPr lang="it-IT" dirty="0">
                 <a:effectLst/>
                 <a:latin typeface="Arial" panose="020B0604020202020204" pitchFamily="34" charset="0"/>
               </a:rPr>
-              <a:t> un template </a:t>
+              <a:t> è un template </a:t>
             </a:r>
             <a:r>
               <a:rPr lang="it-IT" dirty="0" err="1">
@@ -13573,21 +13578,20 @@
                 <a:effectLst/>
                 <a:latin typeface="Arial" panose="020B0604020202020204" pitchFamily="34" charset="0"/>
               </a:rPr>
-              <a:t> </a:t>
-            </a:r>
-            <a:r>
-              <a:rPr lang="it-IT" dirty="0" err="1">
-                <a:effectLst/>
+              <a:t> altamente estendibile.</a:t>
+            </a:r>
+            <a:r>
+              <a:rPr lang="it-IT" dirty="0">
                 <a:latin typeface="Arial" panose="020B0604020202020204" pitchFamily="34" charset="0"/>
               </a:rPr>
-              <a:t>altamenteestendibile›Permettedi</a:t>
+              <a:t> </a:t>
             </a:r>
             <a:r>
               <a:rPr lang="it-IT" dirty="0">
                 <a:effectLst/>
                 <a:latin typeface="Arial" panose="020B0604020202020204" pitchFamily="34" charset="0"/>
               </a:rPr>
-              <a:t> </a:t>
+              <a:t>Permette di </a:t>
             </a:r>
             <a:r>
               <a:rPr lang="it-IT" dirty="0" err="1">
@@ -13601,77 +13605,54 @@
                 <a:effectLst/>
                 <a:latin typeface="Arial" panose="020B0604020202020204" pitchFamily="34" charset="0"/>
               </a:rPr>
-              <a:t> </a:t>
+              <a:t> personalizzare il modo con cui i template vengono processati</a:t>
+            </a:r>
+            <a:r>
+              <a:rPr lang="it-IT" dirty="0">
+                <a:latin typeface="Arial" panose="020B0604020202020204" pitchFamily="34" charset="0"/>
+              </a:rPr>
+              <a:t>. </a:t>
+            </a:r>
+            <a:r>
+              <a:rPr lang="it-IT" dirty="0">
+                <a:effectLst/>
+                <a:latin typeface="Arial" panose="020B0604020202020204" pitchFamily="34" charset="0"/>
+              </a:rPr>
+              <a:t>Il core di </a:t>
             </a:r>
             <a:r>
               <a:rPr lang="it-IT" dirty="0" err="1">
                 <a:effectLst/>
                 <a:latin typeface="Arial" panose="020B0604020202020204" pitchFamily="34" charset="0"/>
               </a:rPr>
-              <a:t>personalizzareilmodo</a:t>
+              <a:t>Thymeleaf</a:t>
             </a:r>
             <a:r>
               <a:rPr lang="it-IT" dirty="0">
                 <a:effectLst/>
                 <a:latin typeface="Arial" panose="020B0604020202020204" pitchFamily="34" charset="0"/>
               </a:rPr>
-              <a:t> con cui </a:t>
+              <a:t> fornisce un dialetto detto </a:t>
             </a:r>
             <a:r>
               <a:rPr lang="it-IT" dirty="0" err="1">
                 <a:effectLst/>
                 <a:latin typeface="Arial" panose="020B0604020202020204" pitchFamily="34" charset="0"/>
               </a:rPr>
-              <a:t>itemplate</a:t>
+              <a:t>StandardDialect</a:t>
+            </a:r>
+            <a:r>
+              <a:rPr lang="it-IT" dirty="0">
+                <a:latin typeface="Arial" panose="020B0604020202020204" pitchFamily="34" charset="0"/>
+              </a:rPr>
+              <a:t>. </a:t>
             </a:r>
             <a:r>
               <a:rPr lang="it-IT" dirty="0">
                 <a:effectLst/>
                 <a:latin typeface="Arial" panose="020B0604020202020204" pitchFamily="34" charset="0"/>
               </a:rPr>
-              <a:t> </a:t>
-            </a:r>
-            <a:r>
-              <a:rPr lang="it-IT" dirty="0" err="1">
-                <a:effectLst/>
-                <a:latin typeface="Arial" panose="020B0604020202020204" pitchFamily="34" charset="0"/>
-              </a:rPr>
-              <a:t>vengonoprocessati›Il</a:t>
-            </a:r>
-            <a:r>
-              <a:rPr lang="it-IT" dirty="0">
-                <a:effectLst/>
-                <a:latin typeface="Arial" panose="020B0604020202020204" pitchFamily="34" charset="0"/>
-              </a:rPr>
-              <a:t> core di </a:t>
-            </a:r>
-            <a:r>
-              <a:rPr lang="it-IT" dirty="0" err="1">
-                <a:effectLst/>
-                <a:latin typeface="Arial" panose="020B0604020202020204" pitchFamily="34" charset="0"/>
-              </a:rPr>
-              <a:t>Thymeleaffornisceun</a:t>
-            </a:r>
-            <a:r>
-              <a:rPr lang="it-IT" dirty="0">
-                <a:effectLst/>
-                <a:latin typeface="Arial" panose="020B0604020202020204" pitchFamily="34" charset="0"/>
-              </a:rPr>
-              <a:t> </a:t>
-            </a:r>
-            <a:r>
-              <a:rPr lang="it-IT" dirty="0" err="1">
-                <a:effectLst/>
-                <a:latin typeface="Arial" panose="020B0604020202020204" pitchFamily="34" charset="0"/>
-              </a:rPr>
-              <a:t>dialettodettoStandardDialect›E</a:t>
-            </a:r>
-            <a:r>
-              <a:rPr lang="it-IT" dirty="0">
-                <a:effectLst/>
-                <a:latin typeface="Arial" panose="020B0604020202020204" pitchFamily="34" charset="0"/>
-              </a:rPr>
-              <a:t>’ </a:t>
+              <a:t>E’ </a:t>
             </a:r>
             <a:r>
               <a:rPr lang="it-IT" dirty="0" err="1">
@@ -13685,98 +13666,57 @@
                 <a:effectLst/>
                 <a:latin typeface="Arial" panose="020B0604020202020204" pitchFamily="34" charset="0"/>
               </a:rPr>
-              <a:t> </a:t>
+              <a:t> creare il proprio dialetto e si può configurare </a:t>
             </a:r>
             <a:r>
               <a:rPr lang="it-IT" dirty="0" err="1">
                 <a:effectLst/>
                 <a:latin typeface="Arial" panose="020B0604020202020204" pitchFamily="34" charset="0"/>
               </a:rPr>
-              <a:t>creareilproprio</a:t>
+              <a:t>Thymeleaf</a:t>
             </a:r>
             <a:r>
               <a:rPr lang="it-IT" dirty="0">
                 <a:effectLst/>
                 <a:latin typeface="Arial" panose="020B0604020202020204" pitchFamily="34" charset="0"/>
               </a:rPr>
-              <a:t> </a:t>
+              <a:t> ad utilizzare più dialetti</a:t>
+            </a:r>
+            <a:r>
+              <a:rPr lang="it-IT" dirty="0">
+                <a:latin typeface="Arial" panose="020B0604020202020204" pitchFamily="34" charset="0"/>
+              </a:rPr>
+              <a:t>.</a:t>
+            </a:r>
+          </a:p>
+          <a:p>
+            <a:r>
+              <a:rPr lang="it-IT" dirty="0">
+                <a:effectLst/>
+                <a:latin typeface="Arial" panose="020B0604020202020204" pitchFamily="34" charset="0"/>
+              </a:rPr>
+              <a:t>Ad esempio: esiste un dialetto detto </a:t>
             </a:r>
             <a:r>
               <a:rPr lang="it-IT" dirty="0" err="1">
                 <a:effectLst/>
                 <a:latin typeface="Arial" panose="020B0604020202020204" pitchFamily="34" charset="0"/>
               </a:rPr>
-              <a:t>dialettoe</a:t>
+              <a:t>SpringStandardDialect</a:t>
             </a:r>
             <a:r>
               <a:rPr lang="it-IT" dirty="0">
                 <a:effectLst/>
                 <a:latin typeface="Arial" panose="020B0604020202020204" pitchFamily="34" charset="0"/>
               </a:rPr>
-              <a:t> </a:t>
+              <a:t> per integrare </a:t>
             </a:r>
             <a:r>
               <a:rPr lang="it-IT" dirty="0" err="1">
                 <a:effectLst/>
                 <a:latin typeface="Arial" panose="020B0604020202020204" pitchFamily="34" charset="0"/>
               </a:rPr>
-              <a:t>sipuòconfigurareThymeleafad</a:t>
-            </a:r>
-            <a:r>
-              <a:rPr lang="it-IT" dirty="0">
-                <a:effectLst/>
-                <a:latin typeface="Arial" panose="020B0604020202020204" pitchFamily="34" charset="0"/>
-              </a:rPr>
-              <a:t> </a:t>
-            </a:r>
-            <a:r>
-              <a:rPr lang="it-IT" dirty="0" err="1">
-                <a:effectLst/>
-                <a:latin typeface="Arial" panose="020B0604020202020204" pitchFamily="34" charset="0"/>
-              </a:rPr>
-              <a:t>utilizzarepiùdialetti›Ad</a:t>
-            </a:r>
-            <a:r>
-              <a:rPr lang="it-IT" dirty="0">
-                <a:effectLst/>
-                <a:latin typeface="Arial" panose="020B0604020202020204" pitchFamily="34" charset="0"/>
-              </a:rPr>
-              <a:t> esempio: </a:t>
-            </a:r>
-            <a:r>
-              <a:rPr lang="it-IT" dirty="0" err="1">
-                <a:effectLst/>
-                <a:latin typeface="Arial" panose="020B0604020202020204" pitchFamily="34" charset="0"/>
-              </a:rPr>
-              <a:t>esisteun</a:t>
-            </a:r>
-            <a:r>
-              <a:rPr lang="it-IT" dirty="0">
-                <a:effectLst/>
-                <a:latin typeface="Arial" panose="020B0604020202020204" pitchFamily="34" charset="0"/>
-              </a:rPr>
-              <a:t> </a:t>
-            </a:r>
-            <a:r>
-              <a:rPr lang="it-IT" dirty="0" err="1">
-                <a:effectLst/>
-                <a:latin typeface="Arial" panose="020B0604020202020204" pitchFamily="34" charset="0"/>
-              </a:rPr>
-              <a:t>dialettodettoSpringStandardDialect</a:t>
-            </a:r>
-            <a:r>
-              <a:rPr lang="it-IT" dirty="0">
-                <a:effectLst/>
-                <a:latin typeface="Arial" panose="020B0604020202020204" pitchFamily="34" charset="0"/>
-              </a:rPr>
-              <a:t> per </a:t>
-            </a:r>
-            <a:r>
-              <a:rPr lang="it-IT" dirty="0" err="1">
-                <a:effectLst/>
-                <a:latin typeface="Arial" panose="020B0604020202020204" pitchFamily="34" charset="0"/>
-              </a:rPr>
-              <a:t>integrareThymeleafcon</a:t>
+              <a:t>Thymeleafcon</a:t>
             </a:r>
             <a:r>
               <a:rPr lang="it-IT" dirty="0">
